--- a/material/create_summary/pdf/Test2/c/20221212/西田亮_20221212.pptx
+++ b/material/create_summary/pdf/Test2/c/20221212/西田亮_20221212.pptx
@@ -203,7 +203,7 @@
           <a:p>
             <a:fld id="{A8D419FE-C60C-4E24-8B4C-1AF8859A1D1C}" type="datetimeFigureOut">
               <a:rPr kumimoji="1" lang="ja-JP" altLang="en-US" smtClean="0"/>
-              <a:t>2022/12/11</a:t>
+              <a:t>2022/12/12</a:t>
             </a:fld>
             <a:endParaRPr kumimoji="1" lang="ja-JP" altLang="en-US"/>
           </a:p>
@@ -726,9 +726,9 @@
           <a:bodyPr/>
           <a:lstStyle/>
           <a:p>
-            <a:fld id="{26E5E938-EB1B-4C51-9BC0-AFBE9261FEE5}" type="datetime1">
+            <a:fld id="{A63B333E-2CB4-462B-ADFD-BEEB285D0028}" type="datetime1">
               <a:rPr kumimoji="1" lang="ja-JP" altLang="en-US" smtClean="0"/>
-              <a:t>2022/12/11</a:t>
+              <a:t>2022/12/12</a:t>
             </a:fld>
             <a:endParaRPr kumimoji="1" lang="ja-JP" altLang="en-US"/>
           </a:p>
@@ -751,10 +751,8 @@
           <a:p>
             <a:r>
               <a:rPr kumimoji="1" lang="en-US" altLang="ja-JP"/>
-              <a:t>Precision Mechatronics Systems Laboratory</a:t>
-            </a:r>
-          </a:p>
-          <a:p>
+              <a:t>Test2</a:t>
+            </a:r>
             <a:endParaRPr kumimoji="1" lang="ja-JP" altLang="en-US" dirty="0"/>
           </a:p>
         </p:txBody>
@@ -977,9 +975,9 @@
           <a:bodyPr/>
           <a:lstStyle/>
           <a:p>
-            <a:fld id="{A0FE27A5-F631-44AF-B529-98F2BF2D8A02}" type="datetime1">
+            <a:fld id="{56ED8FAC-9E5A-42EA-BC3B-02C1E29E34EB}" type="datetime1">
               <a:rPr kumimoji="1" lang="ja-JP" altLang="en-US" smtClean="0"/>
-              <a:t>2022/12/11</a:t>
+              <a:t>2022/12/12</a:t>
             </a:fld>
             <a:endParaRPr kumimoji="1" lang="ja-JP" altLang="en-US"/>
           </a:p>
@@ -1002,10 +1000,8 @@
           <a:p>
             <a:r>
               <a:rPr kumimoji="1" lang="en-US" altLang="ja-JP"/>
-              <a:t>Precision Mechatronics Systems Laboratory</a:t>
-            </a:r>
-          </a:p>
-          <a:p>
+              <a:t>Test2</a:t>
+            </a:r>
             <a:endParaRPr kumimoji="1" lang="ja-JP" altLang="en-US" dirty="0"/>
           </a:p>
         </p:txBody>
@@ -1272,9 +1268,9 @@
           <a:bodyPr/>
           <a:lstStyle/>
           <a:p>
-            <a:fld id="{233207AB-1FFA-411B-8CB7-1BDE9575E18C}" type="datetime1">
+            <a:fld id="{7734FD8A-EF41-4A86-A92A-142243EB47FD}" type="datetime1">
               <a:rPr kumimoji="1" lang="ja-JP" altLang="en-US" smtClean="0"/>
-              <a:t>2022/12/11</a:t>
+              <a:t>2022/12/12</a:t>
             </a:fld>
             <a:endParaRPr kumimoji="1" lang="ja-JP" altLang="en-US"/>
           </a:p>
@@ -1297,10 +1293,8 @@
           <a:p>
             <a:r>
               <a:rPr kumimoji="1" lang="en-US" altLang="ja-JP"/>
-              <a:t>Precision Mechatronics Systems Laboratory</a:t>
-            </a:r>
-          </a:p>
-          <a:p>
+              <a:t>Test2</a:t>
+            </a:r>
             <a:endParaRPr kumimoji="1" lang="ja-JP" altLang="en-US" dirty="0"/>
           </a:p>
         </p:txBody>
@@ -1499,9 +1493,9 @@
           <a:bodyPr/>
           <a:lstStyle/>
           <a:p>
-            <a:fld id="{3C43DD58-5E44-4F0A-9FB6-4861AE2D33D8}" type="datetime1">
+            <a:fld id="{CD732094-E0B5-4011-AA6B-9D9C1805B4DE}" type="datetime1">
               <a:rPr kumimoji="1" lang="ja-JP" altLang="en-US" smtClean="0"/>
-              <a:t>2022/12/11</a:t>
+              <a:t>2022/12/12</a:t>
             </a:fld>
             <a:endParaRPr kumimoji="1" lang="ja-JP" altLang="en-US"/>
           </a:p>
@@ -1524,10 +1518,8 @@
           <a:p>
             <a:r>
               <a:rPr kumimoji="1" lang="en-US" altLang="ja-JP"/>
-              <a:t>Precision Mechatronics Systems Laboratory</a:t>
-            </a:r>
-          </a:p>
-          <a:p>
+              <a:t>Test2</a:t>
+            </a:r>
             <a:endParaRPr kumimoji="1" lang="ja-JP" altLang="en-US" dirty="0"/>
           </a:p>
         </p:txBody>
@@ -1849,9 +1841,9 @@
           <a:bodyPr/>
           <a:lstStyle/>
           <a:p>
-            <a:fld id="{4454EA31-3960-45BB-8DED-9CED9FA023E3}" type="datetime1">
+            <a:fld id="{0CF4DB78-CFA6-4043-A798-0906CFB9FC5A}" type="datetime1">
               <a:rPr kumimoji="1" lang="ja-JP" altLang="en-US" smtClean="0"/>
-              <a:t>2022/12/11</a:t>
+              <a:t>2022/12/12</a:t>
             </a:fld>
             <a:endParaRPr kumimoji="1" lang="ja-JP" altLang="en-US"/>
           </a:p>
@@ -1874,10 +1866,8 @@
           <a:p>
             <a:r>
               <a:rPr kumimoji="1" lang="en-US" altLang="ja-JP"/>
-              <a:t>Precision Mechatronics Systems Laboratory</a:t>
-            </a:r>
-          </a:p>
-          <a:p>
+              <a:t>Test2</a:t>
+            </a:r>
             <a:endParaRPr kumimoji="1" lang="ja-JP" altLang="en-US" dirty="0"/>
           </a:p>
         </p:txBody>
@@ -2195,9 +2185,9 @@
           <a:bodyPr/>
           <a:lstStyle/>
           <a:p>
-            <a:fld id="{F8819406-D2EF-430C-BD02-0E24BF37C6DF}" type="datetime1">
+            <a:fld id="{69168C13-B2AD-4769-A6BA-E9EC9F0ABBA7}" type="datetime1">
               <a:rPr kumimoji="1" lang="ja-JP" altLang="en-US" smtClean="0"/>
-              <a:t>2022/12/11</a:t>
+              <a:t>2022/12/12</a:t>
             </a:fld>
             <a:endParaRPr kumimoji="1" lang="ja-JP" altLang="en-US"/>
           </a:p>
@@ -2220,10 +2210,8 @@
           <a:p>
             <a:r>
               <a:rPr kumimoji="1" lang="en-US" altLang="ja-JP"/>
-              <a:t>Precision Mechatronics Systems Laboratory</a:t>
-            </a:r>
-          </a:p>
-          <a:p>
+              <a:t>Test2</a:t>
+            </a:r>
             <a:endParaRPr kumimoji="1" lang="ja-JP" altLang="en-US" dirty="0"/>
           </a:p>
         </p:txBody>
@@ -2645,9 +2633,9 @@
           <a:bodyPr/>
           <a:lstStyle/>
           <a:p>
-            <a:fld id="{AE355A88-06D4-4F0D-9535-CFCEA6E90834}" type="datetime1">
+            <a:fld id="{938AAE5C-87D1-4272-9793-5EA14E27EC09}" type="datetime1">
               <a:rPr kumimoji="1" lang="ja-JP" altLang="en-US" smtClean="0"/>
-              <a:t>2022/12/11</a:t>
+              <a:t>2022/12/12</a:t>
             </a:fld>
             <a:endParaRPr kumimoji="1" lang="ja-JP" altLang="en-US"/>
           </a:p>
@@ -2670,10 +2658,8 @@
           <a:p>
             <a:r>
               <a:rPr kumimoji="1" lang="en-US" altLang="ja-JP"/>
-              <a:t>Precision Mechatronics Systems Laboratory</a:t>
-            </a:r>
-          </a:p>
-          <a:p>
+              <a:t>Test2</a:t>
+            </a:r>
             <a:endParaRPr kumimoji="1" lang="ja-JP" altLang="en-US" dirty="0"/>
           </a:p>
         </p:txBody>
@@ -2770,9 +2756,9 @@
           <a:bodyPr/>
           <a:lstStyle/>
           <a:p>
-            <a:fld id="{C7EB837E-110F-4887-921A-D999AEBE860D}" type="datetime1">
+            <a:fld id="{469AC97E-6BDB-48DE-9833-0A439EFA0ACB}" type="datetime1">
               <a:rPr kumimoji="1" lang="ja-JP" altLang="en-US" smtClean="0"/>
-              <a:t>2022/12/11</a:t>
+              <a:t>2022/12/12</a:t>
             </a:fld>
             <a:endParaRPr kumimoji="1" lang="ja-JP" altLang="en-US"/>
           </a:p>
@@ -2795,10 +2781,8 @@
           <a:p>
             <a:r>
               <a:rPr kumimoji="1" lang="en-US" altLang="ja-JP"/>
-              <a:t>Precision Mechatronics Systems Laboratory</a:t>
-            </a:r>
-          </a:p>
-          <a:p>
+              <a:t>Test2</a:t>
+            </a:r>
             <a:endParaRPr kumimoji="1" lang="ja-JP" altLang="en-US" dirty="0"/>
           </a:p>
         </p:txBody>
@@ -2948,9 +2932,9 @@
           <a:bodyPr/>
           <a:lstStyle/>
           <a:p>
-            <a:fld id="{D923E8EA-E8E9-44E2-9AAA-C95DA90BC02B}" type="datetime1">
+            <a:fld id="{46C063D8-A546-4A3B-8CDA-CE2B1096C507}" type="datetime1">
               <a:rPr kumimoji="1" lang="ja-JP" altLang="en-US" smtClean="0"/>
-              <a:t>2022/12/11</a:t>
+              <a:t>2022/12/12</a:t>
             </a:fld>
             <a:endParaRPr kumimoji="1" lang="ja-JP" altLang="en-US"/>
           </a:p>
@@ -2981,10 +2965,8 @@
           <a:p>
             <a:r>
               <a:rPr kumimoji="1" lang="en-US" altLang="ja-JP"/>
-              <a:t>Precision Mechatronics Systems Laboratory</a:t>
-            </a:r>
-          </a:p>
-          <a:p>
+              <a:t>Test2</a:t>
+            </a:r>
             <a:endParaRPr kumimoji="1" lang="ja-JP" altLang="en-US" dirty="0"/>
           </a:p>
         </p:txBody>
@@ -3341,9 +3323,9 @@
             </a:lvl1pPr>
           </a:lstStyle>
           <a:p>
-            <a:fld id="{30864409-F725-4558-88D0-73EA1B5EF065}" type="datetime1">
+            <a:fld id="{2AC886DC-108E-4984-A056-A5B3850769D3}" type="datetime1">
               <a:rPr kumimoji="1" lang="ja-JP" altLang="en-US" smtClean="0"/>
-              <a:t>2022/12/11</a:t>
+              <a:t>2022/12/12</a:t>
             </a:fld>
             <a:endParaRPr kumimoji="1" lang="ja-JP" altLang="en-US"/>
           </a:p>
@@ -3379,10 +3361,8 @@
           <a:p>
             <a:r>
               <a:rPr kumimoji="1" lang="en-US" altLang="ja-JP"/>
-              <a:t>Precision Mechatronics Systems Laboratory</a:t>
-            </a:r>
-          </a:p>
-          <a:p>
+              <a:t>Test2</a:t>
+            </a:r>
             <a:endParaRPr kumimoji="1" lang="ja-JP" altLang="en-US" dirty="0"/>
           </a:p>
         </p:txBody>
@@ -3725,9 +3705,9 @@
           <a:bodyPr/>
           <a:lstStyle/>
           <a:p>
-            <a:fld id="{EA61E452-CDC9-4F07-9A87-4280EDE323FF}" type="datetime1">
+            <a:fld id="{FE01F01D-8522-48AC-87B9-80A6857CE64B}" type="datetime1">
               <a:rPr kumimoji="1" lang="ja-JP" altLang="en-US" smtClean="0"/>
-              <a:t>2022/12/11</a:t>
+              <a:t>2022/12/12</a:t>
             </a:fld>
             <a:endParaRPr kumimoji="1" lang="ja-JP" altLang="en-US"/>
           </a:p>
@@ -3750,10 +3730,8 @@
           <a:p>
             <a:r>
               <a:rPr kumimoji="1" lang="en-US" altLang="ja-JP"/>
-              <a:t>Precision Mechatronics Systems Laboratory</a:t>
-            </a:r>
-          </a:p>
-          <a:p>
+              <a:t>Test2</a:t>
+            </a:r>
             <a:endParaRPr kumimoji="1" lang="ja-JP" altLang="en-US" dirty="0"/>
           </a:p>
         </p:txBody>
@@ -4051,9 +4029,9 @@
             </a:lvl1pPr>
           </a:lstStyle>
           <a:p>
-            <a:fld id="{60FF1E76-C78C-471F-B92F-BF572AFBA7B0}" type="datetime1">
+            <a:fld id="{75343D44-3113-4A69-BDF1-AB40F7422752}" type="datetime1">
               <a:rPr kumimoji="1" lang="ja-JP" altLang="en-US" smtClean="0"/>
-              <a:t>2022/12/11</a:t>
+              <a:t>2022/12/12</a:t>
             </a:fld>
             <a:endParaRPr kumimoji="1" lang="ja-JP" altLang="en-US"/>
           </a:p>
@@ -4092,10 +4070,8 @@
           <a:p>
             <a:r>
               <a:rPr kumimoji="1" lang="en-US" altLang="ja-JP"/>
-              <a:t>Precision Mechatronics Systems Laboratory</a:t>
-            </a:r>
-          </a:p>
-          <a:p>
+              <a:t>Test2</a:t>
+            </a:r>
             <a:endParaRPr kumimoji="1" lang="ja-JP" altLang="en-US" dirty="0"/>
           </a:p>
         </p:txBody>
@@ -4790,10 +4766,8 @@
           <a:p>
             <a:r>
               <a:rPr kumimoji="1" lang="en-US" altLang="ja-JP"/>
-              <a:t>Precision Mechatronics Systems Laboratory</a:t>
-            </a:r>
-          </a:p>
-          <a:p>
+              <a:t>Test2</a:t>
+            </a:r>
             <a:endParaRPr kumimoji="1" lang="ja-JP" altLang="en-US" dirty="0"/>
           </a:p>
         </p:txBody>
@@ -4939,10 +4913,8 @@
           <a:p>
             <a:r>
               <a:rPr kumimoji="1" lang="en-US" altLang="ja-JP"/>
-              <a:t>Precision Mechatronics Systems Laboratory</a:t>
-            </a:r>
-          </a:p>
-          <a:p>
+              <a:t>Test2</a:t>
+            </a:r>
             <a:endParaRPr kumimoji="1" lang="ja-JP" altLang="en-US" dirty="0"/>
           </a:p>
         </p:txBody>
@@ -5091,10 +5063,8 @@
           <a:p>
             <a:r>
               <a:rPr kumimoji="1" lang="en-US" altLang="ja-JP"/>
-              <a:t>Precision Mechatronics Systems Laboratory</a:t>
-            </a:r>
-          </a:p>
-          <a:p>
+              <a:t>Test2</a:t>
+            </a:r>
             <a:endParaRPr kumimoji="1" lang="ja-JP" altLang="en-US" dirty="0"/>
           </a:p>
         </p:txBody>
@@ -5239,10 +5209,8 @@
           <a:p>
             <a:r>
               <a:rPr kumimoji="1" lang="en-US" altLang="ja-JP"/>
-              <a:t>Precision Mechatronics Systems Laboratory</a:t>
-            </a:r>
-          </a:p>
-          <a:p>
+              <a:t>Test2</a:t>
+            </a:r>
             <a:endParaRPr kumimoji="1" lang="ja-JP" altLang="en-US" dirty="0"/>
           </a:p>
         </p:txBody>
@@ -5388,10 +5356,8 @@
           <a:p>
             <a:r>
               <a:rPr kumimoji="1" lang="en-US" altLang="ja-JP"/>
-              <a:t>Precision Mechatronics Systems Laboratory</a:t>
-            </a:r>
-          </a:p>
-          <a:p>
+              <a:t>Test2</a:t>
+            </a:r>
             <a:endParaRPr kumimoji="1" lang="ja-JP" altLang="en-US" dirty="0"/>
           </a:p>
         </p:txBody>
@@ -5537,10 +5503,8 @@
           <a:p>
             <a:r>
               <a:rPr kumimoji="1" lang="en-US" altLang="ja-JP"/>
-              <a:t>Precision Mechatronics Systems Laboratory</a:t>
-            </a:r>
-          </a:p>
-          <a:p>
+              <a:t>Test2</a:t>
+            </a:r>
             <a:endParaRPr kumimoji="1" lang="ja-JP" altLang="en-US" dirty="0"/>
           </a:p>
         </p:txBody>
